--- a/ml-handson-2016-06-22.pptx
+++ b/ml-handson-2016-06-22.pptx
@@ -3930,82 +3930,107 @@
         </p:nvSpPr>
         <p:spPr/>
         <p:txBody>
-          <a:bodyPr/>
+          <a:bodyPr>
+            <a:normAutofit/>
+          </a:bodyPr>
           <a:lstStyle/>
           <a:p>
             <a:r>
-              <a:rPr lang="en-US" dirty="0">
+              <a:rPr lang="en-US" sz="2000" dirty="0">
                 <a:hlinkClick r:id="rId2"/>
               </a:rPr>
               <a:t>http://</a:t>
             </a:r>
             <a:r>
-              <a:rPr lang="en-US" dirty="0" smtClean="0">
+              <a:rPr lang="en-US" sz="2000" dirty="0" smtClean="0">
                 <a:hlinkClick r:id="rId2"/>
               </a:rPr>
               <a:t>www.mathworks.com/videos/predictive-modeling-for-healthcare-94781.html</a:t>
             </a:r>
-            <a:endParaRPr lang="en-US" dirty="0" smtClean="0"/>
-          </a:p>
-          <a:p>
-            <a:r>
-              <a:rPr lang="en-US" dirty="0">
+            <a:endParaRPr lang="en-US" sz="2000" dirty="0" smtClean="0"/>
+          </a:p>
+          <a:p>
+            <a:r>
+              <a:rPr lang="en-US" sz="2000" dirty="0">
                 <a:hlinkClick r:id="rId3"/>
               </a:rPr>
               <a:t>http://</a:t>
             </a:r>
             <a:r>
-              <a:rPr lang="en-US" dirty="0" smtClean="0">
+              <a:rPr lang="en-US" sz="2000" dirty="0" smtClean="0">
                 <a:hlinkClick r:id="rId3"/>
               </a:rPr>
               <a:t>www.mathworks.com/videos/machine-learning-and-computer-vision-for-medical-imaging-applications-108028.html</a:t>
             </a:r>
-            <a:endParaRPr lang="en-US" dirty="0" smtClean="0"/>
-          </a:p>
-          <a:p>
-            <a:r>
-              <a:rPr lang="en-US" dirty="0">
+            <a:endParaRPr lang="en-US" sz="2000" dirty="0" smtClean="0"/>
+          </a:p>
+          <a:p>
+            <a:r>
+              <a:rPr lang="en-US" sz="2000" dirty="0">
                 <a:hlinkClick r:id="rId4"/>
               </a:rPr>
               <a:t>https://</a:t>
             </a:r>
             <a:r>
-              <a:rPr lang="en-US" dirty="0" smtClean="0">
+              <a:rPr lang="en-US" sz="2000" dirty="0" smtClean="0">
                 <a:hlinkClick r:id="rId4"/>
               </a:rPr>
               <a:t>github.com/facebook/iTorch</a:t>
             </a:r>
             <a:r>
-              <a:rPr lang="en-US" dirty="0" smtClean="0"/>
+              <a:rPr lang="en-US" sz="2000" dirty="0" smtClean="0"/>
               <a:t> -- </a:t>
             </a:r>
             <a:r>
-              <a:rPr lang="en-US" dirty="0" err="1" smtClean="0"/>
+              <a:rPr lang="en-US" sz="2000" dirty="0" err="1" smtClean="0"/>
               <a:t>LuaJIT</a:t>
             </a:r>
             <a:r>
-              <a:rPr lang="en-US" dirty="0" smtClean="0"/>
-              <a:t> neural networks</a:t>
-            </a:r>
-          </a:p>
-          <a:p>
-            <a:r>
-              <a:rPr lang="en-US" dirty="0">
+              <a:rPr lang="en-US" sz="2000" dirty="0" smtClean="0"/>
+              <a:t> </a:t>
+            </a:r>
+            <a:r>
+              <a:rPr lang="en-US" sz="2000" dirty="0" smtClean="0"/>
+              <a:t>machine learning</a:t>
+            </a:r>
+            <a:endParaRPr lang="en-US" sz="2000" dirty="0" smtClean="0"/>
+          </a:p>
+          <a:p>
+            <a:r>
+              <a:rPr lang="en-US" sz="2000" dirty="0">
                 <a:hlinkClick r:id="rId5"/>
               </a:rPr>
               <a:t>http://scikit-learn.org/stable</a:t>
             </a:r>
             <a:r>
-              <a:rPr lang="en-US" dirty="0" smtClean="0">
+              <a:rPr lang="en-US" sz="2000" dirty="0" smtClean="0">
                 <a:hlinkClick r:id="rId5"/>
               </a:rPr>
               <a:t>/</a:t>
             </a:r>
             <a:r>
-              <a:rPr lang="en-US" dirty="0" smtClean="0"/>
-              <a:t> -- Python machine learning</a:t>
-            </a:r>
-            <a:endParaRPr lang="en-US" dirty="0"/>
+              <a:rPr lang="en-US" sz="2000" dirty="0" smtClean="0"/>
+              <a:t> -- Python machine </a:t>
+            </a:r>
+            <a:r>
+              <a:rPr lang="en-US" sz="2000" dirty="0" smtClean="0"/>
+              <a:t>learning</a:t>
+            </a:r>
+          </a:p>
+          <a:p>
+            <a:r>
+              <a:rPr lang="en-US" sz="2000" dirty="0">
+                <a:hlinkClick r:id="rId6"/>
+              </a:rPr>
+              <a:t>http://</a:t>
+            </a:r>
+            <a:r>
+              <a:rPr lang="en-US" sz="2000" dirty="0" smtClean="0">
+                <a:hlinkClick r:id="rId6"/>
+              </a:rPr>
+              <a:t>www.mathworks.com/tagteam/87371_92974v00_Machine_Learning_Whitepaper.pdf</a:t>
+            </a:r>
+            <a:endParaRPr lang="en-US" sz="2000" dirty="0" smtClean="0"/>
           </a:p>
         </p:txBody>
       </p:sp>
